--- a/ppt 16-9/0311.歌颂主恩永.pptx
+++ b/ppt 16-9/0311.歌颂主恩永.pptx
@@ -129,7 +129,7 @@
           <p:cNvPr id="2" name="标题 1">
             <a:extLst>
               <a:ext uri="{FF2B5EF4-FFF2-40B4-BE49-F238E27FC236}">
-                <a16:creationId xmlns:a16="http://schemas.microsoft.com/office/drawing/2014/main" id="{EBD51F65-7CA5-30EC-2CD1-A5E5F4721917}"/>
+                <a16:creationId xmlns:a16="http://schemas.microsoft.com/office/drawing/2014/main" id="{2EE758F8-84BE-8CB1-EB1F-BDB4C05CD6BE}"/>
               </a:ext>
             </a:extLst>
           </p:cNvPr>
@@ -166,7 +166,7 @@
           <p:cNvPr id="3" name="副标题 2">
             <a:extLst>
               <a:ext uri="{FF2B5EF4-FFF2-40B4-BE49-F238E27FC236}">
-                <a16:creationId xmlns:a16="http://schemas.microsoft.com/office/drawing/2014/main" id="{2922E551-2648-B76B-B904-7B9FE42F7712}"/>
+                <a16:creationId xmlns:a16="http://schemas.microsoft.com/office/drawing/2014/main" id="{5AA63A16-FABA-86D9-515E-F67274D2C0FB}"/>
               </a:ext>
             </a:extLst>
           </p:cNvPr>
@@ -236,7 +236,7 @@
           <p:cNvPr id="4" name="日期占位符 3">
             <a:extLst>
               <a:ext uri="{FF2B5EF4-FFF2-40B4-BE49-F238E27FC236}">
-                <a16:creationId xmlns:a16="http://schemas.microsoft.com/office/drawing/2014/main" id="{FDDB2BED-FD79-4D4D-71F9-83ECC58AC54A}"/>
+                <a16:creationId xmlns:a16="http://schemas.microsoft.com/office/drawing/2014/main" id="{AFC038B2-C486-3454-67D7-4C320B22F097}"/>
               </a:ext>
             </a:extLst>
           </p:cNvPr>
@@ -252,7 +252,7 @@
           <a:bodyPr/>
           <a:lstStyle/>
           <a:p>
-            <a:fld id="{6A58DD7F-131E-4F09-9FF4-F179C06F3C1E}" type="datetimeFigureOut">
+            <a:fld id="{52510C72-E1F9-46F9-BB1C-33517D076376}" type="datetimeFigureOut">
               <a:rPr lang="zh-CN" altLang="en-US" smtClean="0"/>
               <a:t>2024/3/10</a:t>
             </a:fld>
@@ -265,7 +265,7 @@
           <p:cNvPr id="5" name="页脚占位符 4">
             <a:extLst>
               <a:ext uri="{FF2B5EF4-FFF2-40B4-BE49-F238E27FC236}">
-                <a16:creationId xmlns:a16="http://schemas.microsoft.com/office/drawing/2014/main" id="{67F5305F-1862-9066-8235-CB6B87F03F60}"/>
+                <a16:creationId xmlns:a16="http://schemas.microsoft.com/office/drawing/2014/main" id="{EDF13DA0-56C4-0259-8ED5-4151E9A23BF8}"/>
               </a:ext>
             </a:extLst>
           </p:cNvPr>
@@ -290,7 +290,7 @@
           <p:cNvPr id="6" name="灯片编号占位符 5">
             <a:extLst>
               <a:ext uri="{FF2B5EF4-FFF2-40B4-BE49-F238E27FC236}">
-                <a16:creationId xmlns:a16="http://schemas.microsoft.com/office/drawing/2014/main" id="{BF8D0FD8-D87D-1D5F-F623-B078C51EB729}"/>
+                <a16:creationId xmlns:a16="http://schemas.microsoft.com/office/drawing/2014/main" id="{7C1E16DA-3105-DFE7-CFEF-BE75A788B117}"/>
               </a:ext>
             </a:extLst>
           </p:cNvPr>
@@ -306,7 +306,7 @@
           <a:bodyPr/>
           <a:lstStyle/>
           <a:p>
-            <a:fld id="{7118CD5F-F6E5-4B8C-A5AE-F8C91345F826}" type="slidenum">
+            <a:fld id="{5D908F58-F969-4F0B-9370-3ACF588F66DD}" type="slidenum">
               <a:rPr lang="zh-CN" altLang="en-US" smtClean="0"/>
               <a:t>‹#›</a:t>
             </a:fld>
@@ -317,7 +317,7 @@
     </p:spTree>
     <p:extLst>
       <p:ext uri="{BB962C8B-B14F-4D97-AF65-F5344CB8AC3E}">
-        <p14:creationId xmlns:p14="http://schemas.microsoft.com/office/powerpoint/2010/main" val="3822184636"/>
+        <p14:creationId xmlns:p14="http://schemas.microsoft.com/office/powerpoint/2010/main" val="670977223"/>
       </p:ext>
     </p:extLst>
   </p:cSld>
@@ -349,7 +349,7 @@
           <p:cNvPr id="2" name="标题 1">
             <a:extLst>
               <a:ext uri="{FF2B5EF4-FFF2-40B4-BE49-F238E27FC236}">
-                <a16:creationId xmlns:a16="http://schemas.microsoft.com/office/drawing/2014/main" id="{26FE610A-2D27-3F87-C0AD-C6981DB74F69}"/>
+                <a16:creationId xmlns:a16="http://schemas.microsoft.com/office/drawing/2014/main" id="{0515EC6B-BEEB-D24C-E6AC-02D61B6A496A}"/>
               </a:ext>
             </a:extLst>
           </p:cNvPr>
@@ -377,7 +377,7 @@
           <p:cNvPr id="3" name="竖排文字占位符 2">
             <a:extLst>
               <a:ext uri="{FF2B5EF4-FFF2-40B4-BE49-F238E27FC236}">
-                <a16:creationId xmlns:a16="http://schemas.microsoft.com/office/drawing/2014/main" id="{92B328EA-51FF-9606-66AD-E1E4D27CE4FC}"/>
+                <a16:creationId xmlns:a16="http://schemas.microsoft.com/office/drawing/2014/main" id="{74AA2DC1-B0FE-E63E-A0CE-ACD66438A8D2}"/>
               </a:ext>
             </a:extLst>
           </p:cNvPr>
@@ -434,7 +434,7 @@
           <p:cNvPr id="4" name="日期占位符 3">
             <a:extLst>
               <a:ext uri="{FF2B5EF4-FFF2-40B4-BE49-F238E27FC236}">
-                <a16:creationId xmlns:a16="http://schemas.microsoft.com/office/drawing/2014/main" id="{B2BDB0BA-2560-9CCA-CDFE-F7F19D09DB8B}"/>
+                <a16:creationId xmlns:a16="http://schemas.microsoft.com/office/drawing/2014/main" id="{462A2423-31E1-4FEA-8937-E63626E9B3A8}"/>
               </a:ext>
             </a:extLst>
           </p:cNvPr>
@@ -450,7 +450,7 @@
           <a:bodyPr/>
           <a:lstStyle/>
           <a:p>
-            <a:fld id="{6A58DD7F-131E-4F09-9FF4-F179C06F3C1E}" type="datetimeFigureOut">
+            <a:fld id="{52510C72-E1F9-46F9-BB1C-33517D076376}" type="datetimeFigureOut">
               <a:rPr lang="zh-CN" altLang="en-US" smtClean="0"/>
               <a:t>2024/3/10</a:t>
             </a:fld>
@@ -463,7 +463,7 @@
           <p:cNvPr id="5" name="页脚占位符 4">
             <a:extLst>
               <a:ext uri="{FF2B5EF4-FFF2-40B4-BE49-F238E27FC236}">
-                <a16:creationId xmlns:a16="http://schemas.microsoft.com/office/drawing/2014/main" id="{7D02D5AB-5065-BE89-973D-CEC67C2A817B}"/>
+                <a16:creationId xmlns:a16="http://schemas.microsoft.com/office/drawing/2014/main" id="{00C1FE37-11F4-E42C-EE57-87F3F34D6DD5}"/>
               </a:ext>
             </a:extLst>
           </p:cNvPr>
@@ -488,7 +488,7 @@
           <p:cNvPr id="6" name="灯片编号占位符 5">
             <a:extLst>
               <a:ext uri="{FF2B5EF4-FFF2-40B4-BE49-F238E27FC236}">
-                <a16:creationId xmlns:a16="http://schemas.microsoft.com/office/drawing/2014/main" id="{6E74EF3E-CD64-F9AB-98C8-1AFA5957AC7C}"/>
+                <a16:creationId xmlns:a16="http://schemas.microsoft.com/office/drawing/2014/main" id="{79D3820A-0553-AE24-A9DA-E75B0CEC55F9}"/>
               </a:ext>
             </a:extLst>
           </p:cNvPr>
@@ -504,7 +504,7 @@
           <a:bodyPr/>
           <a:lstStyle/>
           <a:p>
-            <a:fld id="{7118CD5F-F6E5-4B8C-A5AE-F8C91345F826}" type="slidenum">
+            <a:fld id="{5D908F58-F969-4F0B-9370-3ACF588F66DD}" type="slidenum">
               <a:rPr lang="zh-CN" altLang="en-US" smtClean="0"/>
               <a:t>‹#›</a:t>
             </a:fld>
@@ -515,7 +515,7 @@
     </p:spTree>
     <p:extLst>
       <p:ext uri="{BB962C8B-B14F-4D97-AF65-F5344CB8AC3E}">
-        <p14:creationId xmlns:p14="http://schemas.microsoft.com/office/powerpoint/2010/main" val="333656200"/>
+        <p14:creationId xmlns:p14="http://schemas.microsoft.com/office/powerpoint/2010/main" val="3409934778"/>
       </p:ext>
     </p:extLst>
   </p:cSld>
@@ -547,7 +547,7 @@
           <p:cNvPr id="2" name="竖排标题 1">
             <a:extLst>
               <a:ext uri="{FF2B5EF4-FFF2-40B4-BE49-F238E27FC236}">
-                <a16:creationId xmlns:a16="http://schemas.microsoft.com/office/drawing/2014/main" id="{2CBF6C14-DA7B-40CB-FC11-0D6FA7BED69F}"/>
+                <a16:creationId xmlns:a16="http://schemas.microsoft.com/office/drawing/2014/main" id="{FC09D823-DE36-8394-5052-E9D64E0797EF}"/>
               </a:ext>
             </a:extLst>
           </p:cNvPr>
@@ -580,7 +580,7 @@
           <p:cNvPr id="3" name="竖排文字占位符 2">
             <a:extLst>
               <a:ext uri="{FF2B5EF4-FFF2-40B4-BE49-F238E27FC236}">
-                <a16:creationId xmlns:a16="http://schemas.microsoft.com/office/drawing/2014/main" id="{BB72D3B2-4C1B-456E-2D8D-063768918F0C}"/>
+                <a16:creationId xmlns:a16="http://schemas.microsoft.com/office/drawing/2014/main" id="{C48937B4-BB66-A126-2DBE-CAFE28006BF6}"/>
               </a:ext>
             </a:extLst>
           </p:cNvPr>
@@ -642,7 +642,7 @@
           <p:cNvPr id="4" name="日期占位符 3">
             <a:extLst>
               <a:ext uri="{FF2B5EF4-FFF2-40B4-BE49-F238E27FC236}">
-                <a16:creationId xmlns:a16="http://schemas.microsoft.com/office/drawing/2014/main" id="{46821B61-2674-9C7D-3C94-98FC993C9974}"/>
+                <a16:creationId xmlns:a16="http://schemas.microsoft.com/office/drawing/2014/main" id="{AF6173D9-89FB-E607-C97C-708248B23844}"/>
               </a:ext>
             </a:extLst>
           </p:cNvPr>
@@ -658,7 +658,7 @@
           <a:bodyPr/>
           <a:lstStyle/>
           <a:p>
-            <a:fld id="{6A58DD7F-131E-4F09-9FF4-F179C06F3C1E}" type="datetimeFigureOut">
+            <a:fld id="{52510C72-E1F9-46F9-BB1C-33517D076376}" type="datetimeFigureOut">
               <a:rPr lang="zh-CN" altLang="en-US" smtClean="0"/>
               <a:t>2024/3/10</a:t>
             </a:fld>
@@ -671,7 +671,7 @@
           <p:cNvPr id="5" name="页脚占位符 4">
             <a:extLst>
               <a:ext uri="{FF2B5EF4-FFF2-40B4-BE49-F238E27FC236}">
-                <a16:creationId xmlns:a16="http://schemas.microsoft.com/office/drawing/2014/main" id="{D633A3F9-E7FD-38AF-55A3-8FF13917678A}"/>
+                <a16:creationId xmlns:a16="http://schemas.microsoft.com/office/drawing/2014/main" id="{374AA27D-54ED-180C-3B8E-3064AD89ED5A}"/>
               </a:ext>
             </a:extLst>
           </p:cNvPr>
@@ -696,7 +696,7 @@
           <p:cNvPr id="6" name="灯片编号占位符 5">
             <a:extLst>
               <a:ext uri="{FF2B5EF4-FFF2-40B4-BE49-F238E27FC236}">
-                <a16:creationId xmlns:a16="http://schemas.microsoft.com/office/drawing/2014/main" id="{51F25178-B9B6-4DD7-0758-3F0256DC2D68}"/>
+                <a16:creationId xmlns:a16="http://schemas.microsoft.com/office/drawing/2014/main" id="{17672C79-C2F5-8C11-37D3-76FDB98504FB}"/>
               </a:ext>
             </a:extLst>
           </p:cNvPr>
@@ -712,7 +712,7 @@
           <a:bodyPr/>
           <a:lstStyle/>
           <a:p>
-            <a:fld id="{7118CD5F-F6E5-4B8C-A5AE-F8C91345F826}" type="slidenum">
+            <a:fld id="{5D908F58-F969-4F0B-9370-3ACF588F66DD}" type="slidenum">
               <a:rPr lang="zh-CN" altLang="en-US" smtClean="0"/>
               <a:t>‹#›</a:t>
             </a:fld>
@@ -723,7 +723,7 @@
     </p:spTree>
     <p:extLst>
       <p:ext uri="{BB962C8B-B14F-4D97-AF65-F5344CB8AC3E}">
-        <p14:creationId xmlns:p14="http://schemas.microsoft.com/office/powerpoint/2010/main" val="4138265724"/>
+        <p14:creationId xmlns:p14="http://schemas.microsoft.com/office/powerpoint/2010/main" val="1963139933"/>
       </p:ext>
     </p:extLst>
   </p:cSld>
@@ -755,7 +755,7 @@
           <p:cNvPr id="2" name="标题 1">
             <a:extLst>
               <a:ext uri="{FF2B5EF4-FFF2-40B4-BE49-F238E27FC236}">
-                <a16:creationId xmlns:a16="http://schemas.microsoft.com/office/drawing/2014/main" id="{FEB9EB31-CB92-B27A-2CE0-68DCBA7B31E5}"/>
+                <a16:creationId xmlns:a16="http://schemas.microsoft.com/office/drawing/2014/main" id="{E3F1C273-FF73-1EC1-BF8B-4D60B5F37AA1}"/>
               </a:ext>
             </a:extLst>
           </p:cNvPr>
@@ -783,7 +783,7 @@
           <p:cNvPr id="3" name="内容占位符 2">
             <a:extLst>
               <a:ext uri="{FF2B5EF4-FFF2-40B4-BE49-F238E27FC236}">
-                <a16:creationId xmlns:a16="http://schemas.microsoft.com/office/drawing/2014/main" id="{65FA6B93-6C00-8D03-5CB7-CEF828258D66}"/>
+                <a16:creationId xmlns:a16="http://schemas.microsoft.com/office/drawing/2014/main" id="{DEBA94A4-D639-24E2-D538-CA4A19DEDE08}"/>
               </a:ext>
             </a:extLst>
           </p:cNvPr>
@@ -840,7 +840,7 @@
           <p:cNvPr id="4" name="日期占位符 3">
             <a:extLst>
               <a:ext uri="{FF2B5EF4-FFF2-40B4-BE49-F238E27FC236}">
-                <a16:creationId xmlns:a16="http://schemas.microsoft.com/office/drawing/2014/main" id="{A441220D-EFCB-7029-CB9D-A49539F36567}"/>
+                <a16:creationId xmlns:a16="http://schemas.microsoft.com/office/drawing/2014/main" id="{118A47C8-8A35-99DB-0EA5-1896E8E624A7}"/>
               </a:ext>
             </a:extLst>
           </p:cNvPr>
@@ -856,7 +856,7 @@
           <a:bodyPr/>
           <a:lstStyle/>
           <a:p>
-            <a:fld id="{6A58DD7F-131E-4F09-9FF4-F179C06F3C1E}" type="datetimeFigureOut">
+            <a:fld id="{52510C72-E1F9-46F9-BB1C-33517D076376}" type="datetimeFigureOut">
               <a:rPr lang="zh-CN" altLang="en-US" smtClean="0"/>
               <a:t>2024/3/10</a:t>
             </a:fld>
@@ -869,7 +869,7 @@
           <p:cNvPr id="5" name="页脚占位符 4">
             <a:extLst>
               <a:ext uri="{FF2B5EF4-FFF2-40B4-BE49-F238E27FC236}">
-                <a16:creationId xmlns:a16="http://schemas.microsoft.com/office/drawing/2014/main" id="{C30A8643-7E94-28BE-81AB-515A8B953652}"/>
+                <a16:creationId xmlns:a16="http://schemas.microsoft.com/office/drawing/2014/main" id="{EBFA28A0-6903-4C17-B69A-21B300C9E88E}"/>
               </a:ext>
             </a:extLst>
           </p:cNvPr>
@@ -894,7 +894,7 @@
           <p:cNvPr id="6" name="灯片编号占位符 5">
             <a:extLst>
               <a:ext uri="{FF2B5EF4-FFF2-40B4-BE49-F238E27FC236}">
-                <a16:creationId xmlns:a16="http://schemas.microsoft.com/office/drawing/2014/main" id="{29FB7107-DE04-034E-AE62-AB32A3353781}"/>
+                <a16:creationId xmlns:a16="http://schemas.microsoft.com/office/drawing/2014/main" id="{210AB97A-99D5-69DD-1476-B5121BEDFFC0}"/>
               </a:ext>
             </a:extLst>
           </p:cNvPr>
@@ -910,7 +910,7 @@
           <a:bodyPr/>
           <a:lstStyle/>
           <a:p>
-            <a:fld id="{7118CD5F-F6E5-4B8C-A5AE-F8C91345F826}" type="slidenum">
+            <a:fld id="{5D908F58-F969-4F0B-9370-3ACF588F66DD}" type="slidenum">
               <a:rPr lang="zh-CN" altLang="en-US" smtClean="0"/>
               <a:t>‹#›</a:t>
             </a:fld>
@@ -921,7 +921,7 @@
     </p:spTree>
     <p:extLst>
       <p:ext uri="{BB962C8B-B14F-4D97-AF65-F5344CB8AC3E}">
-        <p14:creationId xmlns:p14="http://schemas.microsoft.com/office/powerpoint/2010/main" val="3697954171"/>
+        <p14:creationId xmlns:p14="http://schemas.microsoft.com/office/powerpoint/2010/main" val="2952786780"/>
       </p:ext>
     </p:extLst>
   </p:cSld>
@@ -953,7 +953,7 @@
           <p:cNvPr id="2" name="标题 1">
             <a:extLst>
               <a:ext uri="{FF2B5EF4-FFF2-40B4-BE49-F238E27FC236}">
-                <a16:creationId xmlns:a16="http://schemas.microsoft.com/office/drawing/2014/main" id="{346837E8-23C4-D769-20A6-5536AF3C39F5}"/>
+                <a16:creationId xmlns:a16="http://schemas.microsoft.com/office/drawing/2014/main" id="{7A07A7C1-A11B-FD5A-1D4F-21F0AF276EB9}"/>
               </a:ext>
             </a:extLst>
           </p:cNvPr>
@@ -990,7 +990,7 @@
           <p:cNvPr id="3" name="文本占位符 2">
             <a:extLst>
               <a:ext uri="{FF2B5EF4-FFF2-40B4-BE49-F238E27FC236}">
-                <a16:creationId xmlns:a16="http://schemas.microsoft.com/office/drawing/2014/main" id="{F266917D-7728-DE3B-AC30-D7100DB6BC96}"/>
+                <a16:creationId xmlns:a16="http://schemas.microsoft.com/office/drawing/2014/main" id="{EEE27158-9248-8D89-66AE-671CB30D3F65}"/>
               </a:ext>
             </a:extLst>
           </p:cNvPr>
@@ -1115,7 +1115,7 @@
           <p:cNvPr id="4" name="日期占位符 3">
             <a:extLst>
               <a:ext uri="{FF2B5EF4-FFF2-40B4-BE49-F238E27FC236}">
-                <a16:creationId xmlns:a16="http://schemas.microsoft.com/office/drawing/2014/main" id="{553051B8-E445-75B8-13A1-365589E0EF02}"/>
+                <a16:creationId xmlns:a16="http://schemas.microsoft.com/office/drawing/2014/main" id="{14DDD802-1359-6969-4460-461E155E02E1}"/>
               </a:ext>
             </a:extLst>
           </p:cNvPr>
@@ -1131,7 +1131,7 @@
           <a:bodyPr/>
           <a:lstStyle/>
           <a:p>
-            <a:fld id="{6A58DD7F-131E-4F09-9FF4-F179C06F3C1E}" type="datetimeFigureOut">
+            <a:fld id="{52510C72-E1F9-46F9-BB1C-33517D076376}" type="datetimeFigureOut">
               <a:rPr lang="zh-CN" altLang="en-US" smtClean="0"/>
               <a:t>2024/3/10</a:t>
             </a:fld>
@@ -1144,7 +1144,7 @@
           <p:cNvPr id="5" name="页脚占位符 4">
             <a:extLst>
               <a:ext uri="{FF2B5EF4-FFF2-40B4-BE49-F238E27FC236}">
-                <a16:creationId xmlns:a16="http://schemas.microsoft.com/office/drawing/2014/main" id="{29F406A6-BF88-F049-A247-459A0EDB3001}"/>
+                <a16:creationId xmlns:a16="http://schemas.microsoft.com/office/drawing/2014/main" id="{929D79DF-1DD1-0E77-2E55-EB98BFB75A48}"/>
               </a:ext>
             </a:extLst>
           </p:cNvPr>
@@ -1169,7 +1169,7 @@
           <p:cNvPr id="6" name="灯片编号占位符 5">
             <a:extLst>
               <a:ext uri="{FF2B5EF4-FFF2-40B4-BE49-F238E27FC236}">
-                <a16:creationId xmlns:a16="http://schemas.microsoft.com/office/drawing/2014/main" id="{566A2DB6-AB1D-2067-C5F9-436D0317531B}"/>
+                <a16:creationId xmlns:a16="http://schemas.microsoft.com/office/drawing/2014/main" id="{3DAEE9A0-539A-61F9-C590-A6CF84B7D678}"/>
               </a:ext>
             </a:extLst>
           </p:cNvPr>
@@ -1185,7 +1185,7 @@
           <a:bodyPr/>
           <a:lstStyle/>
           <a:p>
-            <a:fld id="{7118CD5F-F6E5-4B8C-A5AE-F8C91345F826}" type="slidenum">
+            <a:fld id="{5D908F58-F969-4F0B-9370-3ACF588F66DD}" type="slidenum">
               <a:rPr lang="zh-CN" altLang="en-US" smtClean="0"/>
               <a:t>‹#›</a:t>
             </a:fld>
@@ -1196,7 +1196,7 @@
     </p:spTree>
     <p:extLst>
       <p:ext uri="{BB962C8B-B14F-4D97-AF65-F5344CB8AC3E}">
-        <p14:creationId xmlns:p14="http://schemas.microsoft.com/office/powerpoint/2010/main" val="738444460"/>
+        <p14:creationId xmlns:p14="http://schemas.microsoft.com/office/powerpoint/2010/main" val="3066149941"/>
       </p:ext>
     </p:extLst>
   </p:cSld>
@@ -1228,7 +1228,7 @@
           <p:cNvPr id="2" name="标题 1">
             <a:extLst>
               <a:ext uri="{FF2B5EF4-FFF2-40B4-BE49-F238E27FC236}">
-                <a16:creationId xmlns:a16="http://schemas.microsoft.com/office/drawing/2014/main" id="{92FDA1D3-859B-1639-A55F-B7C939F7AFB5}"/>
+                <a16:creationId xmlns:a16="http://schemas.microsoft.com/office/drawing/2014/main" id="{33081109-9C49-6A75-B00A-499781CE10B2}"/>
               </a:ext>
             </a:extLst>
           </p:cNvPr>
@@ -1256,7 +1256,7 @@
           <p:cNvPr id="3" name="内容占位符 2">
             <a:extLst>
               <a:ext uri="{FF2B5EF4-FFF2-40B4-BE49-F238E27FC236}">
-                <a16:creationId xmlns:a16="http://schemas.microsoft.com/office/drawing/2014/main" id="{EDAB64C3-F13C-8783-AC17-769721BCC1AD}"/>
+                <a16:creationId xmlns:a16="http://schemas.microsoft.com/office/drawing/2014/main" id="{0C97DB89-C556-4842-AEB8-A1240E7503DD}"/>
               </a:ext>
             </a:extLst>
           </p:cNvPr>
@@ -1318,7 +1318,7 @@
           <p:cNvPr id="4" name="内容占位符 3">
             <a:extLst>
               <a:ext uri="{FF2B5EF4-FFF2-40B4-BE49-F238E27FC236}">
-                <a16:creationId xmlns:a16="http://schemas.microsoft.com/office/drawing/2014/main" id="{9B340C9B-2281-5D27-422E-8419389C391F}"/>
+                <a16:creationId xmlns:a16="http://schemas.microsoft.com/office/drawing/2014/main" id="{F1100B7B-ED6D-8D51-FCC2-D8A8044EA75A}"/>
               </a:ext>
             </a:extLst>
           </p:cNvPr>
@@ -1380,7 +1380,7 @@
           <p:cNvPr id="5" name="日期占位符 4">
             <a:extLst>
               <a:ext uri="{FF2B5EF4-FFF2-40B4-BE49-F238E27FC236}">
-                <a16:creationId xmlns:a16="http://schemas.microsoft.com/office/drawing/2014/main" id="{E6BA1BC4-4E07-FA7B-D401-62F9ED91A778}"/>
+                <a16:creationId xmlns:a16="http://schemas.microsoft.com/office/drawing/2014/main" id="{69C4E9D5-C0BD-2CA7-8878-A807CB508B76}"/>
               </a:ext>
             </a:extLst>
           </p:cNvPr>
@@ -1396,7 +1396,7 @@
           <a:bodyPr/>
           <a:lstStyle/>
           <a:p>
-            <a:fld id="{6A58DD7F-131E-4F09-9FF4-F179C06F3C1E}" type="datetimeFigureOut">
+            <a:fld id="{52510C72-E1F9-46F9-BB1C-33517D076376}" type="datetimeFigureOut">
               <a:rPr lang="zh-CN" altLang="en-US" smtClean="0"/>
               <a:t>2024/3/10</a:t>
             </a:fld>
@@ -1409,7 +1409,7 @@
           <p:cNvPr id="6" name="页脚占位符 5">
             <a:extLst>
               <a:ext uri="{FF2B5EF4-FFF2-40B4-BE49-F238E27FC236}">
-                <a16:creationId xmlns:a16="http://schemas.microsoft.com/office/drawing/2014/main" id="{A5BFAE13-609F-F1F2-A8E1-BE84E4E9D852}"/>
+                <a16:creationId xmlns:a16="http://schemas.microsoft.com/office/drawing/2014/main" id="{74DCB18D-7252-EA95-4CD2-5153C4F6ECDE}"/>
               </a:ext>
             </a:extLst>
           </p:cNvPr>
@@ -1434,7 +1434,7 @@
           <p:cNvPr id="7" name="灯片编号占位符 6">
             <a:extLst>
               <a:ext uri="{FF2B5EF4-FFF2-40B4-BE49-F238E27FC236}">
-                <a16:creationId xmlns:a16="http://schemas.microsoft.com/office/drawing/2014/main" id="{818A90FC-584A-EBF2-1B98-16937B92A1E6}"/>
+                <a16:creationId xmlns:a16="http://schemas.microsoft.com/office/drawing/2014/main" id="{9A934159-6815-5BDC-1240-59440A1FC9E2}"/>
               </a:ext>
             </a:extLst>
           </p:cNvPr>
@@ -1450,7 +1450,7 @@
           <a:bodyPr/>
           <a:lstStyle/>
           <a:p>
-            <a:fld id="{7118CD5F-F6E5-4B8C-A5AE-F8C91345F826}" type="slidenum">
+            <a:fld id="{5D908F58-F969-4F0B-9370-3ACF588F66DD}" type="slidenum">
               <a:rPr lang="zh-CN" altLang="en-US" smtClean="0"/>
               <a:t>‹#›</a:t>
             </a:fld>
@@ -1461,7 +1461,7 @@
     </p:spTree>
     <p:extLst>
       <p:ext uri="{BB962C8B-B14F-4D97-AF65-F5344CB8AC3E}">
-        <p14:creationId xmlns:p14="http://schemas.microsoft.com/office/powerpoint/2010/main" val="3381153589"/>
+        <p14:creationId xmlns:p14="http://schemas.microsoft.com/office/powerpoint/2010/main" val="2169953255"/>
       </p:ext>
     </p:extLst>
   </p:cSld>
@@ -1493,7 +1493,7 @@
           <p:cNvPr id="2" name="标题 1">
             <a:extLst>
               <a:ext uri="{FF2B5EF4-FFF2-40B4-BE49-F238E27FC236}">
-                <a16:creationId xmlns:a16="http://schemas.microsoft.com/office/drawing/2014/main" id="{1727F864-55FB-395F-B87C-88DB57345572}"/>
+                <a16:creationId xmlns:a16="http://schemas.microsoft.com/office/drawing/2014/main" id="{3560F769-7025-EE6E-AD89-A090B59615D2}"/>
               </a:ext>
             </a:extLst>
           </p:cNvPr>
@@ -1526,7 +1526,7 @@
           <p:cNvPr id="3" name="文本占位符 2">
             <a:extLst>
               <a:ext uri="{FF2B5EF4-FFF2-40B4-BE49-F238E27FC236}">
-                <a16:creationId xmlns:a16="http://schemas.microsoft.com/office/drawing/2014/main" id="{226AB548-4458-2476-6982-D58EDB88735C}"/>
+                <a16:creationId xmlns:a16="http://schemas.microsoft.com/office/drawing/2014/main" id="{B38DC95F-ED94-9823-D141-F2AD8AC61497}"/>
               </a:ext>
             </a:extLst>
           </p:cNvPr>
@@ -1597,7 +1597,7 @@
           <p:cNvPr id="4" name="内容占位符 3">
             <a:extLst>
               <a:ext uri="{FF2B5EF4-FFF2-40B4-BE49-F238E27FC236}">
-                <a16:creationId xmlns:a16="http://schemas.microsoft.com/office/drawing/2014/main" id="{D06F334A-016C-438D-AC76-2CDF6DA31354}"/>
+                <a16:creationId xmlns:a16="http://schemas.microsoft.com/office/drawing/2014/main" id="{FC5525B0-FCFB-4FFC-8BA2-138D7D305355}"/>
               </a:ext>
             </a:extLst>
           </p:cNvPr>
@@ -1659,7 +1659,7 @@
           <p:cNvPr id="5" name="文本占位符 4">
             <a:extLst>
               <a:ext uri="{FF2B5EF4-FFF2-40B4-BE49-F238E27FC236}">
-                <a16:creationId xmlns:a16="http://schemas.microsoft.com/office/drawing/2014/main" id="{82FF3210-5C03-4F30-7053-3113C1C90F04}"/>
+                <a16:creationId xmlns:a16="http://schemas.microsoft.com/office/drawing/2014/main" id="{4158AC7F-AF8D-05C7-C46D-E6BB76C0972B}"/>
               </a:ext>
             </a:extLst>
           </p:cNvPr>
@@ -1730,7 +1730,7 @@
           <p:cNvPr id="6" name="内容占位符 5">
             <a:extLst>
               <a:ext uri="{FF2B5EF4-FFF2-40B4-BE49-F238E27FC236}">
-                <a16:creationId xmlns:a16="http://schemas.microsoft.com/office/drawing/2014/main" id="{D35B3BC8-0046-931F-CDB6-8D151AC1674F}"/>
+                <a16:creationId xmlns:a16="http://schemas.microsoft.com/office/drawing/2014/main" id="{09DB910D-86D9-B91D-8C26-6B6E0C9F347C}"/>
               </a:ext>
             </a:extLst>
           </p:cNvPr>
@@ -1792,7 +1792,7 @@
           <p:cNvPr id="7" name="日期占位符 6">
             <a:extLst>
               <a:ext uri="{FF2B5EF4-FFF2-40B4-BE49-F238E27FC236}">
-                <a16:creationId xmlns:a16="http://schemas.microsoft.com/office/drawing/2014/main" id="{E04A662C-04C4-A7BB-520C-75DDF1D26593}"/>
+                <a16:creationId xmlns:a16="http://schemas.microsoft.com/office/drawing/2014/main" id="{7971D16B-78B6-5886-BC21-FB1C5338B489}"/>
               </a:ext>
             </a:extLst>
           </p:cNvPr>
@@ -1808,7 +1808,7 @@
           <a:bodyPr/>
           <a:lstStyle/>
           <a:p>
-            <a:fld id="{6A58DD7F-131E-4F09-9FF4-F179C06F3C1E}" type="datetimeFigureOut">
+            <a:fld id="{52510C72-E1F9-46F9-BB1C-33517D076376}" type="datetimeFigureOut">
               <a:rPr lang="zh-CN" altLang="en-US" smtClean="0"/>
               <a:t>2024/3/10</a:t>
             </a:fld>
@@ -1821,7 +1821,7 @@
           <p:cNvPr id="8" name="页脚占位符 7">
             <a:extLst>
               <a:ext uri="{FF2B5EF4-FFF2-40B4-BE49-F238E27FC236}">
-                <a16:creationId xmlns:a16="http://schemas.microsoft.com/office/drawing/2014/main" id="{40403444-4B01-3576-1D77-01C08B20EFA6}"/>
+                <a16:creationId xmlns:a16="http://schemas.microsoft.com/office/drawing/2014/main" id="{285ECBAB-C25C-F9F1-0B57-4C4AAB832522}"/>
               </a:ext>
             </a:extLst>
           </p:cNvPr>
@@ -1846,7 +1846,7 @@
           <p:cNvPr id="9" name="灯片编号占位符 8">
             <a:extLst>
               <a:ext uri="{FF2B5EF4-FFF2-40B4-BE49-F238E27FC236}">
-                <a16:creationId xmlns:a16="http://schemas.microsoft.com/office/drawing/2014/main" id="{7C1E2F7A-27E7-3422-B266-AD7E7B82D599}"/>
+                <a16:creationId xmlns:a16="http://schemas.microsoft.com/office/drawing/2014/main" id="{A982083E-680E-4336-A0C5-290B593653ED}"/>
               </a:ext>
             </a:extLst>
           </p:cNvPr>
@@ -1862,7 +1862,7 @@
           <a:bodyPr/>
           <a:lstStyle/>
           <a:p>
-            <a:fld id="{7118CD5F-F6E5-4B8C-A5AE-F8C91345F826}" type="slidenum">
+            <a:fld id="{5D908F58-F969-4F0B-9370-3ACF588F66DD}" type="slidenum">
               <a:rPr lang="zh-CN" altLang="en-US" smtClean="0"/>
               <a:t>‹#›</a:t>
             </a:fld>
@@ -1873,7 +1873,7 @@
     </p:spTree>
     <p:extLst>
       <p:ext uri="{BB962C8B-B14F-4D97-AF65-F5344CB8AC3E}">
-        <p14:creationId xmlns:p14="http://schemas.microsoft.com/office/powerpoint/2010/main" val="4245386940"/>
+        <p14:creationId xmlns:p14="http://schemas.microsoft.com/office/powerpoint/2010/main" val="2856648843"/>
       </p:ext>
     </p:extLst>
   </p:cSld>
@@ -1905,7 +1905,7 @@
           <p:cNvPr id="2" name="标题 1">
             <a:extLst>
               <a:ext uri="{FF2B5EF4-FFF2-40B4-BE49-F238E27FC236}">
-                <a16:creationId xmlns:a16="http://schemas.microsoft.com/office/drawing/2014/main" id="{5CED597C-34D2-D4BD-233D-6BD8E3D6F913}"/>
+                <a16:creationId xmlns:a16="http://schemas.microsoft.com/office/drawing/2014/main" id="{C91C4A55-B593-996D-4AB5-8FC3A7640A62}"/>
               </a:ext>
             </a:extLst>
           </p:cNvPr>
@@ -1933,7 +1933,7 @@
           <p:cNvPr id="3" name="日期占位符 2">
             <a:extLst>
               <a:ext uri="{FF2B5EF4-FFF2-40B4-BE49-F238E27FC236}">
-                <a16:creationId xmlns:a16="http://schemas.microsoft.com/office/drawing/2014/main" id="{E866AEC6-64F7-4507-A505-8AA3D2E5479F}"/>
+                <a16:creationId xmlns:a16="http://schemas.microsoft.com/office/drawing/2014/main" id="{97FF9589-E663-7B44-4335-CC7AB56A5117}"/>
               </a:ext>
             </a:extLst>
           </p:cNvPr>
@@ -1949,7 +1949,7 @@
           <a:bodyPr/>
           <a:lstStyle/>
           <a:p>
-            <a:fld id="{6A58DD7F-131E-4F09-9FF4-F179C06F3C1E}" type="datetimeFigureOut">
+            <a:fld id="{52510C72-E1F9-46F9-BB1C-33517D076376}" type="datetimeFigureOut">
               <a:rPr lang="zh-CN" altLang="en-US" smtClean="0"/>
               <a:t>2024/3/10</a:t>
             </a:fld>
@@ -1962,7 +1962,7 @@
           <p:cNvPr id="4" name="页脚占位符 3">
             <a:extLst>
               <a:ext uri="{FF2B5EF4-FFF2-40B4-BE49-F238E27FC236}">
-                <a16:creationId xmlns:a16="http://schemas.microsoft.com/office/drawing/2014/main" id="{26A540D7-AD7C-5A25-96FB-69B2EE52020A}"/>
+                <a16:creationId xmlns:a16="http://schemas.microsoft.com/office/drawing/2014/main" id="{690108C8-DB02-A4CD-1BD4-6C4BE8C383D2}"/>
               </a:ext>
             </a:extLst>
           </p:cNvPr>
@@ -1987,7 +1987,7 @@
           <p:cNvPr id="5" name="灯片编号占位符 4">
             <a:extLst>
               <a:ext uri="{FF2B5EF4-FFF2-40B4-BE49-F238E27FC236}">
-                <a16:creationId xmlns:a16="http://schemas.microsoft.com/office/drawing/2014/main" id="{C9461A03-C810-14EA-7D98-28EDC4CA8B92}"/>
+                <a16:creationId xmlns:a16="http://schemas.microsoft.com/office/drawing/2014/main" id="{FA0A5A37-C61B-BD45-B6D9-3D7143806852}"/>
               </a:ext>
             </a:extLst>
           </p:cNvPr>
@@ -2003,7 +2003,7 @@
           <a:bodyPr/>
           <a:lstStyle/>
           <a:p>
-            <a:fld id="{7118CD5F-F6E5-4B8C-A5AE-F8C91345F826}" type="slidenum">
+            <a:fld id="{5D908F58-F969-4F0B-9370-3ACF588F66DD}" type="slidenum">
               <a:rPr lang="zh-CN" altLang="en-US" smtClean="0"/>
               <a:t>‹#›</a:t>
             </a:fld>
@@ -2014,7 +2014,7 @@
     </p:spTree>
     <p:extLst>
       <p:ext uri="{BB962C8B-B14F-4D97-AF65-F5344CB8AC3E}">
-        <p14:creationId xmlns:p14="http://schemas.microsoft.com/office/powerpoint/2010/main" val="2080985127"/>
+        <p14:creationId xmlns:p14="http://schemas.microsoft.com/office/powerpoint/2010/main" val="2456235104"/>
       </p:ext>
     </p:extLst>
   </p:cSld>
@@ -2046,7 +2046,7 @@
           <p:cNvPr id="2" name="日期占位符 1">
             <a:extLst>
               <a:ext uri="{FF2B5EF4-FFF2-40B4-BE49-F238E27FC236}">
-                <a16:creationId xmlns:a16="http://schemas.microsoft.com/office/drawing/2014/main" id="{0B702C37-E712-F883-C7D5-76B8DBE1DA76}"/>
+                <a16:creationId xmlns:a16="http://schemas.microsoft.com/office/drawing/2014/main" id="{E8176FDF-EEC4-7219-E322-E91EF7424418}"/>
               </a:ext>
             </a:extLst>
           </p:cNvPr>
@@ -2062,7 +2062,7 @@
           <a:bodyPr/>
           <a:lstStyle/>
           <a:p>
-            <a:fld id="{6A58DD7F-131E-4F09-9FF4-F179C06F3C1E}" type="datetimeFigureOut">
+            <a:fld id="{52510C72-E1F9-46F9-BB1C-33517D076376}" type="datetimeFigureOut">
               <a:rPr lang="zh-CN" altLang="en-US" smtClean="0"/>
               <a:t>2024/3/10</a:t>
             </a:fld>
@@ -2075,7 +2075,7 @@
           <p:cNvPr id="3" name="页脚占位符 2">
             <a:extLst>
               <a:ext uri="{FF2B5EF4-FFF2-40B4-BE49-F238E27FC236}">
-                <a16:creationId xmlns:a16="http://schemas.microsoft.com/office/drawing/2014/main" id="{FF6B13D4-EDCC-18E1-06A2-99B0FD127157}"/>
+                <a16:creationId xmlns:a16="http://schemas.microsoft.com/office/drawing/2014/main" id="{44FBBBFE-6A9B-533C-C342-2DA89A64C10C}"/>
               </a:ext>
             </a:extLst>
           </p:cNvPr>
@@ -2100,7 +2100,7 @@
           <p:cNvPr id="4" name="灯片编号占位符 3">
             <a:extLst>
               <a:ext uri="{FF2B5EF4-FFF2-40B4-BE49-F238E27FC236}">
-                <a16:creationId xmlns:a16="http://schemas.microsoft.com/office/drawing/2014/main" id="{40889389-7891-BDE0-B253-CA65293F8011}"/>
+                <a16:creationId xmlns:a16="http://schemas.microsoft.com/office/drawing/2014/main" id="{FD7F2B7A-358C-32F2-A0E5-9BC30062570D}"/>
               </a:ext>
             </a:extLst>
           </p:cNvPr>
@@ -2116,7 +2116,7 @@
           <a:bodyPr/>
           <a:lstStyle/>
           <a:p>
-            <a:fld id="{7118CD5F-F6E5-4B8C-A5AE-F8C91345F826}" type="slidenum">
+            <a:fld id="{5D908F58-F969-4F0B-9370-3ACF588F66DD}" type="slidenum">
               <a:rPr lang="zh-CN" altLang="en-US" smtClean="0"/>
               <a:t>‹#›</a:t>
             </a:fld>
@@ -2127,7 +2127,7 @@
     </p:spTree>
     <p:extLst>
       <p:ext uri="{BB962C8B-B14F-4D97-AF65-F5344CB8AC3E}">
-        <p14:creationId xmlns:p14="http://schemas.microsoft.com/office/powerpoint/2010/main" val="3179241973"/>
+        <p14:creationId xmlns:p14="http://schemas.microsoft.com/office/powerpoint/2010/main" val="1538385819"/>
       </p:ext>
     </p:extLst>
   </p:cSld>
@@ -2159,7 +2159,7 @@
           <p:cNvPr id="2" name="标题 1">
             <a:extLst>
               <a:ext uri="{FF2B5EF4-FFF2-40B4-BE49-F238E27FC236}">
-                <a16:creationId xmlns:a16="http://schemas.microsoft.com/office/drawing/2014/main" id="{C27833F2-32C7-B69C-FC2B-93F07D0C169C}"/>
+                <a16:creationId xmlns:a16="http://schemas.microsoft.com/office/drawing/2014/main" id="{0964DAB9-8ADC-4E17-9C9D-031B47E4613E}"/>
               </a:ext>
             </a:extLst>
           </p:cNvPr>
@@ -2196,7 +2196,7 @@
           <p:cNvPr id="3" name="内容占位符 2">
             <a:extLst>
               <a:ext uri="{FF2B5EF4-FFF2-40B4-BE49-F238E27FC236}">
-                <a16:creationId xmlns:a16="http://schemas.microsoft.com/office/drawing/2014/main" id="{6F6CFB76-0898-7835-B2F1-6115F93A7DA8}"/>
+                <a16:creationId xmlns:a16="http://schemas.microsoft.com/office/drawing/2014/main" id="{D2CA23E5-045F-CB37-99C7-7C712ED32AF8}"/>
               </a:ext>
             </a:extLst>
           </p:cNvPr>
@@ -2286,7 +2286,7 @@
           <p:cNvPr id="4" name="文本占位符 3">
             <a:extLst>
               <a:ext uri="{FF2B5EF4-FFF2-40B4-BE49-F238E27FC236}">
-                <a16:creationId xmlns:a16="http://schemas.microsoft.com/office/drawing/2014/main" id="{851B677E-090F-DA80-70CA-9A656B7DCD87}"/>
+                <a16:creationId xmlns:a16="http://schemas.microsoft.com/office/drawing/2014/main" id="{4B4DE3E2-F692-0759-3EAB-DF5356F22BA4}"/>
               </a:ext>
             </a:extLst>
           </p:cNvPr>
@@ -2357,7 +2357,7 @@
           <p:cNvPr id="5" name="日期占位符 4">
             <a:extLst>
               <a:ext uri="{FF2B5EF4-FFF2-40B4-BE49-F238E27FC236}">
-                <a16:creationId xmlns:a16="http://schemas.microsoft.com/office/drawing/2014/main" id="{D9E471B1-6911-0CB7-3877-83BD19610973}"/>
+                <a16:creationId xmlns:a16="http://schemas.microsoft.com/office/drawing/2014/main" id="{C068B4A0-873F-F661-31E5-B3620979F288}"/>
               </a:ext>
             </a:extLst>
           </p:cNvPr>
@@ -2373,7 +2373,7 @@
           <a:bodyPr/>
           <a:lstStyle/>
           <a:p>
-            <a:fld id="{6A58DD7F-131E-4F09-9FF4-F179C06F3C1E}" type="datetimeFigureOut">
+            <a:fld id="{52510C72-E1F9-46F9-BB1C-33517D076376}" type="datetimeFigureOut">
               <a:rPr lang="zh-CN" altLang="en-US" smtClean="0"/>
               <a:t>2024/3/10</a:t>
             </a:fld>
@@ -2386,7 +2386,7 @@
           <p:cNvPr id="6" name="页脚占位符 5">
             <a:extLst>
               <a:ext uri="{FF2B5EF4-FFF2-40B4-BE49-F238E27FC236}">
-                <a16:creationId xmlns:a16="http://schemas.microsoft.com/office/drawing/2014/main" id="{45E1CAB8-BAFE-B094-5022-E74A1AA3A20F}"/>
+                <a16:creationId xmlns:a16="http://schemas.microsoft.com/office/drawing/2014/main" id="{20C238DC-63CE-3BAA-6458-CC79BE07178B}"/>
               </a:ext>
             </a:extLst>
           </p:cNvPr>
@@ -2411,7 +2411,7 @@
           <p:cNvPr id="7" name="灯片编号占位符 6">
             <a:extLst>
               <a:ext uri="{FF2B5EF4-FFF2-40B4-BE49-F238E27FC236}">
-                <a16:creationId xmlns:a16="http://schemas.microsoft.com/office/drawing/2014/main" id="{D689803D-933A-6AB1-4C64-84250CA88F9A}"/>
+                <a16:creationId xmlns:a16="http://schemas.microsoft.com/office/drawing/2014/main" id="{FA91A56B-2EE3-942E-9938-67056A427D7D}"/>
               </a:ext>
             </a:extLst>
           </p:cNvPr>
@@ -2427,7 +2427,7 @@
           <a:bodyPr/>
           <a:lstStyle/>
           <a:p>
-            <a:fld id="{7118CD5F-F6E5-4B8C-A5AE-F8C91345F826}" type="slidenum">
+            <a:fld id="{5D908F58-F969-4F0B-9370-3ACF588F66DD}" type="slidenum">
               <a:rPr lang="zh-CN" altLang="en-US" smtClean="0"/>
               <a:t>‹#›</a:t>
             </a:fld>
@@ -2438,7 +2438,7 @@
     </p:spTree>
     <p:extLst>
       <p:ext uri="{BB962C8B-B14F-4D97-AF65-F5344CB8AC3E}">
-        <p14:creationId xmlns:p14="http://schemas.microsoft.com/office/powerpoint/2010/main" val="3785381332"/>
+        <p14:creationId xmlns:p14="http://schemas.microsoft.com/office/powerpoint/2010/main" val="2729862207"/>
       </p:ext>
     </p:extLst>
   </p:cSld>
@@ -2470,7 +2470,7 @@
           <p:cNvPr id="2" name="标题 1">
             <a:extLst>
               <a:ext uri="{FF2B5EF4-FFF2-40B4-BE49-F238E27FC236}">
-                <a16:creationId xmlns:a16="http://schemas.microsoft.com/office/drawing/2014/main" id="{E7EC6021-7ED5-9C1D-0F20-523835E8CBAE}"/>
+                <a16:creationId xmlns:a16="http://schemas.microsoft.com/office/drawing/2014/main" id="{DADCA432-326B-3742-4382-A0020F0A0A34}"/>
               </a:ext>
             </a:extLst>
           </p:cNvPr>
@@ -2507,7 +2507,7 @@
           <p:cNvPr id="3" name="图片占位符 2">
             <a:extLst>
               <a:ext uri="{FF2B5EF4-FFF2-40B4-BE49-F238E27FC236}">
-                <a16:creationId xmlns:a16="http://schemas.microsoft.com/office/drawing/2014/main" id="{117127DF-716C-BC33-AD49-D5223EB7702C}"/>
+                <a16:creationId xmlns:a16="http://schemas.microsoft.com/office/drawing/2014/main" id="{A0230208-9A6A-7B0C-C991-7414D29ACBB4}"/>
               </a:ext>
             </a:extLst>
           </p:cNvPr>
@@ -2574,7 +2574,7 @@
           <p:cNvPr id="4" name="文本占位符 3">
             <a:extLst>
               <a:ext uri="{FF2B5EF4-FFF2-40B4-BE49-F238E27FC236}">
-                <a16:creationId xmlns:a16="http://schemas.microsoft.com/office/drawing/2014/main" id="{55015486-A096-1371-5DF6-5256ACF70793}"/>
+                <a16:creationId xmlns:a16="http://schemas.microsoft.com/office/drawing/2014/main" id="{6DB441AE-F6E5-504B-4574-1E338C2DE6BA}"/>
               </a:ext>
             </a:extLst>
           </p:cNvPr>
@@ -2645,7 +2645,7 @@
           <p:cNvPr id="5" name="日期占位符 4">
             <a:extLst>
               <a:ext uri="{FF2B5EF4-FFF2-40B4-BE49-F238E27FC236}">
-                <a16:creationId xmlns:a16="http://schemas.microsoft.com/office/drawing/2014/main" id="{785894C6-86D0-4684-1B2F-0F6502137902}"/>
+                <a16:creationId xmlns:a16="http://schemas.microsoft.com/office/drawing/2014/main" id="{2BF54B41-BEED-3473-5A27-D8D0D8069F4C}"/>
               </a:ext>
             </a:extLst>
           </p:cNvPr>
@@ -2661,7 +2661,7 @@
           <a:bodyPr/>
           <a:lstStyle/>
           <a:p>
-            <a:fld id="{6A58DD7F-131E-4F09-9FF4-F179C06F3C1E}" type="datetimeFigureOut">
+            <a:fld id="{52510C72-E1F9-46F9-BB1C-33517D076376}" type="datetimeFigureOut">
               <a:rPr lang="zh-CN" altLang="en-US" smtClean="0"/>
               <a:t>2024/3/10</a:t>
             </a:fld>
@@ -2674,7 +2674,7 @@
           <p:cNvPr id="6" name="页脚占位符 5">
             <a:extLst>
               <a:ext uri="{FF2B5EF4-FFF2-40B4-BE49-F238E27FC236}">
-                <a16:creationId xmlns:a16="http://schemas.microsoft.com/office/drawing/2014/main" id="{FB156043-2329-8960-9E03-C921E045F053}"/>
+                <a16:creationId xmlns:a16="http://schemas.microsoft.com/office/drawing/2014/main" id="{8D141E7A-E931-4189-95E6-0EBCE0C2DFF9}"/>
               </a:ext>
             </a:extLst>
           </p:cNvPr>
@@ -2699,7 +2699,7 @@
           <p:cNvPr id="7" name="灯片编号占位符 6">
             <a:extLst>
               <a:ext uri="{FF2B5EF4-FFF2-40B4-BE49-F238E27FC236}">
-                <a16:creationId xmlns:a16="http://schemas.microsoft.com/office/drawing/2014/main" id="{2DB8FC94-64D4-165F-EFC3-8AC307F918EB}"/>
+                <a16:creationId xmlns:a16="http://schemas.microsoft.com/office/drawing/2014/main" id="{ADCC765D-8455-C072-E8A7-314D1E2F592C}"/>
               </a:ext>
             </a:extLst>
           </p:cNvPr>
@@ -2715,7 +2715,7 @@
           <a:bodyPr/>
           <a:lstStyle/>
           <a:p>
-            <a:fld id="{7118CD5F-F6E5-4B8C-A5AE-F8C91345F826}" type="slidenum">
+            <a:fld id="{5D908F58-F969-4F0B-9370-3ACF588F66DD}" type="slidenum">
               <a:rPr lang="zh-CN" altLang="en-US" smtClean="0"/>
               <a:t>‹#›</a:t>
             </a:fld>
@@ -2726,7 +2726,7 @@
     </p:spTree>
     <p:extLst>
       <p:ext uri="{BB962C8B-B14F-4D97-AF65-F5344CB8AC3E}">
-        <p14:creationId xmlns:p14="http://schemas.microsoft.com/office/powerpoint/2010/main" val="463263567"/>
+        <p14:creationId xmlns:p14="http://schemas.microsoft.com/office/powerpoint/2010/main" val="3655981215"/>
       </p:ext>
     </p:extLst>
   </p:cSld>
@@ -2763,7 +2763,7 @@
           <p:cNvPr id="2" name="标题占位符 1">
             <a:extLst>
               <a:ext uri="{FF2B5EF4-FFF2-40B4-BE49-F238E27FC236}">
-                <a16:creationId xmlns:a16="http://schemas.microsoft.com/office/drawing/2014/main" id="{96BE84B5-6EF5-F8E6-922A-1D11C103B339}"/>
+                <a16:creationId xmlns:a16="http://schemas.microsoft.com/office/drawing/2014/main" id="{22F8957A-C1A4-DEAD-71B7-1596BB0F488F}"/>
               </a:ext>
             </a:extLst>
           </p:cNvPr>
@@ -2801,7 +2801,7 @@
           <p:cNvPr id="3" name="文本占位符 2">
             <a:extLst>
               <a:ext uri="{FF2B5EF4-FFF2-40B4-BE49-F238E27FC236}">
-                <a16:creationId xmlns:a16="http://schemas.microsoft.com/office/drawing/2014/main" id="{5DDE26B8-1828-F74B-1D8C-6D3722F2F4D5}"/>
+                <a16:creationId xmlns:a16="http://schemas.microsoft.com/office/drawing/2014/main" id="{256F1EDF-4EB3-FB82-25F2-51664798B50C}"/>
               </a:ext>
             </a:extLst>
           </p:cNvPr>
@@ -2868,7 +2868,7 @@
           <p:cNvPr id="4" name="日期占位符 3">
             <a:extLst>
               <a:ext uri="{FF2B5EF4-FFF2-40B4-BE49-F238E27FC236}">
-                <a16:creationId xmlns:a16="http://schemas.microsoft.com/office/drawing/2014/main" id="{046AC933-F408-C867-764A-3F13D7330019}"/>
+                <a16:creationId xmlns:a16="http://schemas.microsoft.com/office/drawing/2014/main" id="{3F498B82-00C0-08FB-EC47-1B542A0C48D6}"/>
               </a:ext>
             </a:extLst>
           </p:cNvPr>
@@ -2902,7 +2902,7 @@
             </a:lvl1pPr>
           </a:lstStyle>
           <a:p>
-            <a:fld id="{6A58DD7F-131E-4F09-9FF4-F179C06F3C1E}" type="datetimeFigureOut">
+            <a:fld id="{52510C72-E1F9-46F9-BB1C-33517D076376}" type="datetimeFigureOut">
               <a:rPr lang="zh-CN" altLang="en-US" smtClean="0"/>
               <a:t>2024/3/10</a:t>
             </a:fld>
@@ -2915,7 +2915,7 @@
           <p:cNvPr id="5" name="页脚占位符 4">
             <a:extLst>
               <a:ext uri="{FF2B5EF4-FFF2-40B4-BE49-F238E27FC236}">
-                <a16:creationId xmlns:a16="http://schemas.microsoft.com/office/drawing/2014/main" id="{01C2E77F-2293-51D0-31E8-0D4D02761B98}"/>
+                <a16:creationId xmlns:a16="http://schemas.microsoft.com/office/drawing/2014/main" id="{CD064A8D-11C8-9514-F933-81A2A2D71BD9}"/>
               </a:ext>
             </a:extLst>
           </p:cNvPr>
@@ -2958,7 +2958,7 @@
           <p:cNvPr id="6" name="灯片编号占位符 5">
             <a:extLst>
               <a:ext uri="{FF2B5EF4-FFF2-40B4-BE49-F238E27FC236}">
-                <a16:creationId xmlns:a16="http://schemas.microsoft.com/office/drawing/2014/main" id="{7839C7B6-7455-CD53-ED58-7392CDA1188A}"/>
+                <a16:creationId xmlns:a16="http://schemas.microsoft.com/office/drawing/2014/main" id="{A6148800-13C9-1069-997C-B3C8CE94D2C8}"/>
               </a:ext>
             </a:extLst>
           </p:cNvPr>
@@ -2992,7 +2992,7 @@
             </a:lvl1pPr>
           </a:lstStyle>
           <a:p>
-            <a:fld id="{7118CD5F-F6E5-4B8C-A5AE-F8C91345F826}" type="slidenum">
+            <a:fld id="{5D908F58-F969-4F0B-9370-3ACF588F66DD}" type="slidenum">
               <a:rPr lang="zh-CN" altLang="en-US" smtClean="0"/>
               <a:t>‹#›</a:t>
             </a:fld>
@@ -3003,7 +3003,7 @@
     </p:spTree>
     <p:extLst>
       <p:ext uri="{BB962C8B-B14F-4D97-AF65-F5344CB8AC3E}">
-        <p14:creationId xmlns:p14="http://schemas.microsoft.com/office/powerpoint/2010/main" val="3196102965"/>
+        <p14:creationId xmlns:p14="http://schemas.microsoft.com/office/powerpoint/2010/main" val="911589090"/>
       </p:ext>
     </p:extLst>
   </p:cSld>
